--- a/test/codetest.pptx
+++ b/test/codetest.pptx
@@ -161,7 +161,7 @@
               <c:strCache>
                 <c:ptCount val="1"/>
                 <c:pt idx="0">
-                  <c:v>East</c:v>
+                  <c:v>Series 1</c:v>
                 </c:pt>
               </c:strCache>
             </c:strRef>
@@ -172,13 +172,13 @@
               <c:strCache>
                 <c:ptCount val="3"/>
                 <c:pt idx="0">
-                  <c:v>A</c:v>
+                  <c:v>East</c:v>
                 </c:pt>
                 <c:pt idx="1">
-                  <c:v>B</c:v>
+                  <c:v>West</c:v>
                 </c:pt>
                 <c:pt idx="2">
-                  <c:v>C</c:v>
+                  <c:v>Midwest</c:v>
                 </c:pt>
               </c:strCache>
             </c:strRef>
@@ -190,13 +190,13 @@
                 <c:formatCode>General</c:formatCode>
                 <c:ptCount val="3"/>
                 <c:pt idx="0">
-                  <c:v>1.0</c:v>
+                  <c:v>19.2</c:v>
                 </c:pt>
                 <c:pt idx="1">
-                  <c:v>2.0</c:v>
+                  <c:v>21.4</c:v>
                 </c:pt>
                 <c:pt idx="2">
-                  <c:v>3.0</c:v>
+                  <c:v>16.7</c:v>
                 </c:pt>
               </c:numCache>
             </c:numRef>
@@ -211,7 +211,7 @@
               <c:strCache>
                 <c:ptCount val="1"/>
                 <c:pt idx="0">
-                  <c:v>West</c:v>
+                  <c:v>Series 2</c:v>
                 </c:pt>
               </c:strCache>
             </c:strRef>
@@ -222,13 +222,13 @@
               <c:strCache>
                 <c:ptCount val="3"/>
                 <c:pt idx="0">
-                  <c:v>A</c:v>
+                  <c:v>East</c:v>
                 </c:pt>
                 <c:pt idx="1">
-                  <c:v>B</c:v>
+                  <c:v>West</c:v>
                 </c:pt>
                 <c:pt idx="2">
-                  <c:v>C</c:v>
+                  <c:v>Midwest</c:v>
                 </c:pt>
               </c:strCache>
             </c:strRef>
@@ -240,13 +240,113 @@
                 <c:formatCode>General</c:formatCode>
                 <c:ptCount val="3"/>
                 <c:pt idx="0">
-                  <c:v>3.0</c:v>
+                  <c:v>17.8</c:v>
                 </c:pt>
                 <c:pt idx="1">
-                  <c:v>4.0</c:v>
+                  <c:v>13.1</c:v>
                 </c:pt>
                 <c:pt idx="2">
-                  <c:v>5.0</c:v>
+                  <c:v>22.9</c:v>
+                </c:pt>
+              </c:numCache>
+            </c:numRef>
+          </c:val>
+        </c:ser>
+        <c:ser>
+          <c:idx val="2"/>
+          <c:order val="2"/>
+          <c:tx>
+            <c:strRef>
+              <c:f>Sheet1!$D$1</c:f>
+              <c:strCache>
+                <c:ptCount val="1"/>
+                <c:pt idx="0">
+                  <c:v>Series 3</c:v>
+                </c:pt>
+              </c:strCache>
+            </c:strRef>
+          </c:tx>
+          <c:cat>
+            <c:strRef>
+              <c:f>Sheet1!$A$2:$A$4</c:f>
+              <c:strCache>
+                <c:ptCount val="3"/>
+                <c:pt idx="0">
+                  <c:v>East</c:v>
+                </c:pt>
+                <c:pt idx="1">
+                  <c:v>West</c:v>
+                </c:pt>
+                <c:pt idx="2">
+                  <c:v>Midwest</c:v>
+                </c:pt>
+              </c:strCache>
+            </c:strRef>
+          </c:cat>
+          <c:val>
+            <c:numRef>
+              <c:f>Sheet1!$D$2:$D$4</c:f>
+              <c:numCache>
+                <c:formatCode>General</c:formatCode>
+                <c:ptCount val="3"/>
+                <c:pt idx="0">
+                  <c:v>19.2</c:v>
+                </c:pt>
+                <c:pt idx="1">
+                  <c:v>21.4</c:v>
+                </c:pt>
+                <c:pt idx="2">
+                  <c:v>16.7</c:v>
+                </c:pt>
+              </c:numCache>
+            </c:numRef>
+          </c:val>
+        </c:ser>
+        <c:ser>
+          <c:idx val="3"/>
+          <c:order val="3"/>
+          <c:tx>
+            <c:strRef>
+              <c:f>Sheet1!$E$1</c:f>
+              <c:strCache>
+                <c:ptCount val="1"/>
+                <c:pt idx="0">
+                  <c:v>Series 4</c:v>
+                </c:pt>
+              </c:strCache>
+            </c:strRef>
+          </c:tx>
+          <c:cat>
+            <c:strRef>
+              <c:f>Sheet1!$A$2:$A$4</c:f>
+              <c:strCache>
+                <c:ptCount val="3"/>
+                <c:pt idx="0">
+                  <c:v>East</c:v>
+                </c:pt>
+                <c:pt idx="1">
+                  <c:v>West</c:v>
+                </c:pt>
+                <c:pt idx="2">
+                  <c:v>Midwest</c:v>
+                </c:pt>
+              </c:strCache>
+            </c:strRef>
+          </c:cat>
+          <c:val>
+            <c:numRef>
+              <c:f>Sheet1!$E$2:$E$4</c:f>
+              <c:numCache>
+                <c:formatCode>General</c:formatCode>
+                <c:ptCount val="3"/>
+                <c:pt idx="0">
+                  <c:v>17.8</c:v>
+                </c:pt>
+                <c:pt idx="1">
+                  <c:v>13.1</c:v>
+                </c:pt>
+                <c:pt idx="2">
+                  <c:v>22.9</c:v>
                 </c:pt>
               </c:numCache>
             </c:numRef>
@@ -3778,7 +3878,7 @@
               <a:defRPr sz="3000"/>
             </a:pPr>
             <a:r>
-              <a:t>Presentation built: 16:22 on 31 May, 2024</a:t>
+              <a:t>Presentation built: 17:14 on 31 May, 2024</a:t>
             </a:r>
           </a:p>
         </p:txBody>

--- a/test/codetest.pptx
+++ b/test/codetest.pptx
@@ -11,6 +11,7 @@
     <p:sldId id="256" r:id="rId2"/>
     <p:sldId id="257" r:id="rId8"/>
     <p:sldId id="258" r:id="rId9"/>
+    <p:sldId id="259" r:id="rId10"/>
   </p:sldIdLst>
   <p:sldSz cx="12192000" cy="6858000"/>
   <p:notesSz cx="6858000" cy="9144000"/>
@@ -161,42 +162,48 @@
               <c:strCache>
                 <c:ptCount val="1"/>
                 <c:pt idx="0">
-                  <c:v>Series 1</c:v>
+                  <c:v>East</c:v>
                 </c:pt>
               </c:strCache>
             </c:strRef>
           </c:tx>
           <c:cat>
             <c:strRef>
-              <c:f>Sheet1!$A$2:$A$4</c:f>
+              <c:f>Sheet1!$A$2:$A$5</c:f>
               <c:strCache>
-                <c:ptCount val="3"/>
+                <c:ptCount val="4"/>
                 <c:pt idx="0">
-                  <c:v>East</c:v>
+                  <c:v>Series 1</c:v>
                 </c:pt>
                 <c:pt idx="1">
-                  <c:v>West</c:v>
+                  <c:v>Series 2</c:v>
                 </c:pt>
                 <c:pt idx="2">
-                  <c:v>Midwest</c:v>
+                  <c:v>Series 3</c:v>
+                </c:pt>
+                <c:pt idx="3">
+                  <c:v>Series 4</c:v>
                 </c:pt>
               </c:strCache>
             </c:strRef>
           </c:cat>
           <c:val>
             <c:numRef>
-              <c:f>Sheet1!$B$2:$B$4</c:f>
+              <c:f>Sheet1!$B$2:$B$5</c:f>
               <c:numCache>
                 <c:formatCode>General</c:formatCode>
-                <c:ptCount val="3"/>
+                <c:ptCount val="4"/>
                 <c:pt idx="0">
                   <c:v>19.2</c:v>
                 </c:pt>
                 <c:pt idx="1">
-                  <c:v>21.4</c:v>
+                  <c:v>17.8</c:v>
                 </c:pt>
                 <c:pt idx="2">
-                  <c:v>16.7</c:v>
+                  <c:v>19.2</c:v>
+                </c:pt>
+                <c:pt idx="3">
+                  <c:v>17.8</c:v>
                 </c:pt>
               </c:numCache>
             </c:numRef>
@@ -211,42 +218,48 @@
               <c:strCache>
                 <c:ptCount val="1"/>
                 <c:pt idx="0">
-                  <c:v>Series 2</c:v>
+                  <c:v>West</c:v>
                 </c:pt>
               </c:strCache>
             </c:strRef>
           </c:tx>
           <c:cat>
             <c:strRef>
-              <c:f>Sheet1!$A$2:$A$4</c:f>
+              <c:f>Sheet1!$A$2:$A$5</c:f>
               <c:strCache>
-                <c:ptCount val="3"/>
+                <c:ptCount val="4"/>
                 <c:pt idx="0">
-                  <c:v>East</c:v>
+                  <c:v>Series 1</c:v>
                 </c:pt>
                 <c:pt idx="1">
-                  <c:v>West</c:v>
+                  <c:v>Series 2</c:v>
                 </c:pt>
                 <c:pt idx="2">
-                  <c:v>Midwest</c:v>
+                  <c:v>Series 3</c:v>
+                </c:pt>
+                <c:pt idx="3">
+                  <c:v>Series 4</c:v>
                 </c:pt>
               </c:strCache>
             </c:strRef>
           </c:cat>
           <c:val>
             <c:numRef>
-              <c:f>Sheet1!$C$2:$C$4</c:f>
+              <c:f>Sheet1!$C$2:$C$5</c:f>
               <c:numCache>
                 <c:formatCode>General</c:formatCode>
-                <c:ptCount val="3"/>
+                <c:ptCount val="4"/>
                 <c:pt idx="0">
-                  <c:v>17.8</c:v>
+                  <c:v>21.4</c:v>
                 </c:pt>
                 <c:pt idx="1">
                   <c:v>13.1</c:v>
                 </c:pt>
                 <c:pt idx="2">
-                  <c:v>22.9</c:v>
+                  <c:v>21.4</c:v>
+                </c:pt>
+                <c:pt idx="3">
+                  <c:v>13.1</c:v>
                 </c:pt>
               </c:numCache>
             </c:numRef>
@@ -261,91 +274,47 @@
               <c:strCache>
                 <c:ptCount val="1"/>
                 <c:pt idx="0">
-                  <c:v>Series 3</c:v>
+                  <c:v>Midwest</c:v>
                 </c:pt>
               </c:strCache>
             </c:strRef>
           </c:tx>
           <c:cat>
             <c:strRef>
-              <c:f>Sheet1!$A$2:$A$4</c:f>
+              <c:f>Sheet1!$A$2:$A$5</c:f>
               <c:strCache>
-                <c:ptCount val="3"/>
+                <c:ptCount val="4"/>
                 <c:pt idx="0">
-                  <c:v>East</c:v>
+                  <c:v>Series 1</c:v>
                 </c:pt>
                 <c:pt idx="1">
-                  <c:v>West</c:v>
+                  <c:v>Series 2</c:v>
                 </c:pt>
                 <c:pt idx="2">
-                  <c:v>Midwest</c:v>
+                  <c:v>Series 3</c:v>
+                </c:pt>
+                <c:pt idx="3">
+                  <c:v>Series 4</c:v>
                 </c:pt>
               </c:strCache>
             </c:strRef>
           </c:cat>
           <c:val>
             <c:numRef>
-              <c:f>Sheet1!$D$2:$D$4</c:f>
+              <c:f>Sheet1!$D$2:$D$5</c:f>
               <c:numCache>
                 <c:formatCode>General</c:formatCode>
-                <c:ptCount val="3"/>
+                <c:ptCount val="4"/>
                 <c:pt idx="0">
-                  <c:v>19.2</c:v>
+                  <c:v>16.7</c:v>
                 </c:pt>
                 <c:pt idx="1">
-                  <c:v>21.4</c:v>
+                  <c:v>22.9</c:v>
                 </c:pt>
                 <c:pt idx="2">
                   <c:v>16.7</c:v>
                 </c:pt>
-              </c:numCache>
-            </c:numRef>
-          </c:val>
-        </c:ser>
-        <c:ser>
-          <c:idx val="3"/>
-          <c:order val="3"/>
-          <c:tx>
-            <c:strRef>
-              <c:f>Sheet1!$E$1</c:f>
-              <c:strCache>
-                <c:ptCount val="1"/>
-                <c:pt idx="0">
-                  <c:v>Series 4</c:v>
-                </c:pt>
-              </c:strCache>
-            </c:strRef>
-          </c:tx>
-          <c:cat>
-            <c:strRef>
-              <c:f>Sheet1!$A$2:$A$4</c:f>
-              <c:strCache>
-                <c:ptCount val="3"/>
-                <c:pt idx="0">
-                  <c:v>East</c:v>
-                </c:pt>
-                <c:pt idx="1">
-                  <c:v>West</c:v>
-                </c:pt>
-                <c:pt idx="2">
-                  <c:v>Midwest</c:v>
-                </c:pt>
-              </c:strCache>
-            </c:strRef>
-          </c:cat>
-          <c:val>
-            <c:numRef>
-              <c:f>Sheet1!$E$2:$E$4</c:f>
-              <c:numCache>
-                <c:formatCode>General</c:formatCode>
-                <c:ptCount val="3"/>
-                <c:pt idx="0">
-                  <c:v>17.8</c:v>
-                </c:pt>
-                <c:pt idx="1">
-                  <c:v>13.1</c:v>
-                </c:pt>
-                <c:pt idx="2">
+                <c:pt idx="3">
                   <c:v>22.9</c:v>
                 </c:pt>
               </c:numCache>
@@ -823,6 +792,85 @@
 </file>
 
 <file path=ppt/notesSlides/notesSlide2.xml><?xml version="1.0" encoding="utf-8"?>
+<p:notes xmlns:a="http://schemas.openxmlformats.org/drawingml/2006/main" xmlns:p="http://schemas.openxmlformats.org/presentationml/2006/main" xmlns:r="http://schemas.openxmlformats.org/officeDocument/2006/relationships">
+  <p:cSld>
+    <p:spTree>
+      <p:nvGrpSpPr>
+        <p:cNvPr id="1" name=""/>
+        <p:cNvGrpSpPr/>
+        <p:nvPr/>
+      </p:nvGrpSpPr>
+      <p:grpSpPr>
+        <a:xfrm>
+          <a:off x="0" y="0"/>
+          <a:ext cx="0" cy="0"/>
+          <a:chOff x="0" y="0"/>
+          <a:chExt cx="0" cy="0"/>
+        </a:xfrm>
+      </p:grpSpPr>
+      <p:sp>
+        <p:nvSpPr>
+          <p:cNvPr id="2" name="Slide Image Placeholder 1"/>
+          <p:cNvSpPr>
+            <a:spLocks noGrp="1"/>
+          </p:cNvSpPr>
+          <p:nvPr>
+            <p:ph type="sldImg" idx="2"/>
+          </p:nvPr>
+        </p:nvSpPr>
+        <p:spPr/>
+      </p:sp>
+      <p:sp>
+        <p:nvSpPr>
+          <p:cNvPr id="3" name="Notes Placeholder 2"/>
+          <p:cNvSpPr>
+            <a:spLocks noGrp="1"/>
+          </p:cNvSpPr>
+          <p:nvPr>
+            <p:ph type="body" idx="3" sz="quarter"/>
+          </p:nvPr>
+        </p:nvSpPr>
+        <p:spPr/>
+        <p:txBody>
+          <a:bodyPr/>
+          <a:lstStyle/>
+          <a:p>
+            <a:r>
+              <a:t/>
+            </a:r>
+            <a:r>
+              <a:rPr>
+                <a:latin typeface="Courier"/>
+              </a:rPr>
+              <a:t/>
+            </a:r>
+            <a:r>
+              <a:t/>
+            </a:r>
+          </a:p>
+        </p:txBody>
+      </p:sp>
+      <p:sp>
+        <p:nvSpPr>
+          <p:cNvPr id="4" name="Slide Number Placeholder 3"/>
+          <p:cNvSpPr>
+            <a:spLocks noGrp="1"/>
+          </p:cNvSpPr>
+          <p:nvPr>
+            <p:ph type="sldNum" idx="5" sz="quarter"/>
+          </p:nvPr>
+        </p:nvSpPr>
+        <p:spPr/>
+      </p:sp>
+    </p:spTree>
+  </p:cSld>
+  <p:clrMapOvr>
+    <a:masterClrMapping/>
+  </p:clrMapOvr>
+</p:notes>
+</file>
+
+<file path=ppt/notesSlides/notesSlide3.xml><?xml version="1.0" encoding="utf-8"?>
 <p:notes xmlns:a="http://schemas.openxmlformats.org/drawingml/2006/main" xmlns:p="http://schemas.openxmlformats.org/presentationml/2006/main" xmlns:r="http://schemas.openxmlformats.org/officeDocument/2006/relationships">
   <p:cSld>
     <p:spTree>
@@ -3866,7 +3914,7 @@
               <a:defRPr sz="3000"/>
             </a:pPr>
             <a:r>
-              <a:t>md2pptx Markdown To Powerpoint Converter 4.4+ 31 May, 2024</a:t>
+              <a:t>md2pptx Markdown To Powerpoint Converter 4.4+ 2 June, 2024</a:t>
             </a:r>
             <a:endParaRPr lang="en-GB"/>
           </a:p>
@@ -3878,7 +3926,7 @@
               <a:defRPr sz="3000"/>
             </a:pPr>
             <a:r>
-              <a:t>Presentation built: 17:14 on 31 May, 2024</a:t>
+              <a:t>Presentation built: 17:24 on 2 June, 2024</a:t>
             </a:r>
           </a:p>
         </p:txBody>
@@ -3973,7 +4021,11 @@
                     <a:lstStyle/>
                     <a:p>
                       <a:pPr>
-                        <a:defRPr sz="1600"/>
+                        <a:defRPr sz="1600">
+                          <a:solidFill>
+                            <a:srgbClr val="0000FF"/>
+                          </a:solidFill>
+                        </a:defRPr>
                       </a:pPr>
                       <a:r>
                         <a:t>contentsplit</a:t>
@@ -3988,10 +4040,14 @@
                     <a:lstStyle/>
                     <a:p>
                       <a:pPr>
-                        <a:defRPr sz="1600"/>
+                        <a:defRPr sz="1600">
+                          <a:solidFill>
+                            <a:srgbClr val="0000FF"/>
+                          </a:solidFill>
+                        </a:defRPr>
                       </a:pPr>
                       <a:r>
-                        <a:t>1 2</a:t>
+                        <a:t>1 2*</a:t>
                       </a:r>
                     </a:p>
                   </a:txBody>
@@ -4143,7 +4199,7 @@
               <a:defRPr sz="3000"/>
             </a:pPr>
             <a:r>
-              <a:t>I Ran Inline Code To Get This</a:t>
+              <a:t>Here Is  A Graph</a:t>
             </a:r>
           </a:p>
         </p:txBody>
@@ -4202,6 +4258,381 @@
         <a:graphic>
           <a:graphicData uri="http://schemas.openxmlformats.org/drawingml/2006/chart">
             <c:chart xmlns:c="http://schemas.openxmlformats.org/drawingml/2006/chart" r:id="rId2"/>
+          </a:graphicData>
+        </a:graphic>
+      </p:graphicFrame>
+    </p:spTree>
+  </p:cSld>
+  <p:clrMapOvr>
+    <a:masterClrMapping/>
+  </p:clrMapOvr>
+</p:sld>
+</file>
+
+<file path=ppt/slides/slide4.xml><?xml version="1.0" encoding="utf-8"?>
+<p:sld xmlns:a="http://schemas.openxmlformats.org/drawingml/2006/main" xmlns:p="http://schemas.openxmlformats.org/presentationml/2006/main" xmlns:r="http://schemas.openxmlformats.org/officeDocument/2006/relationships">
+  <p:cSld>
+    <p:spTree>
+      <p:nvGrpSpPr>
+        <p:cNvPr id="1" name=""/>
+        <p:cNvGrpSpPr/>
+        <p:nvPr/>
+      </p:nvGrpSpPr>
+      <p:grpSpPr/>
+      <p:sp>
+        <p:nvSpPr>
+          <p:cNvPr id="2" name="Title 1"/>
+          <p:cNvSpPr>
+            <a:spLocks noGrp="1"/>
+          </p:cNvSpPr>
+          <p:nvPr>
+            <p:ph type="title"/>
+          </p:nvPr>
+        </p:nvSpPr>
+        <p:spPr>
+          <a:xfrm>
+            <a:off x="182880" y="182880"/>
+            <a:ext cx="11826240" cy="381000"/>
+          </a:xfrm>
+        </p:spPr>
+        <p:txBody>
+          <a:bodyPr anchor="t"/>
+          <a:lstStyle/>
+          <a:p>
+            <a:pPr algn="l">
+              <a:spcAft>
+                <a:spcPts val="0"/>
+              </a:spcAft>
+              <a:defRPr sz="3000"/>
+            </a:pPr>
+            <a:r>
+              <a:t>Here Is  A Table</a:t>
+            </a:r>
+          </a:p>
+        </p:txBody>
+      </p:sp>
+      <p:sp>
+        <p:nvSpPr>
+          <p:cNvPr id="3" name="Content Placeholder 2"/>
+          <p:cNvSpPr>
+            <a:spLocks noGrp="1"/>
+          </p:cNvSpPr>
+          <p:nvPr>
+            <p:ph idx="1"/>
+          </p:nvPr>
+        </p:nvSpPr>
+        <p:spPr>
+          <a:xfrm>
+            <a:off x="182880" y="4607560"/>
+            <a:ext cx="11826240" cy="1884680"/>
+          </a:xfrm>
+        </p:spPr>
+        <p:txBody>
+          <a:bodyPr>
+            <a:normAutofit/>
+          </a:bodyPr>
+          <a:lstStyle/>
+          <a:p>
+            <a:pPr>
+              <a:defRPr sz="1800"/>
+            </a:pPr>
+            <a:r>
+              <a:t>Here's a bullet below the table</a:t>
+            </a:r>
+          </a:p>
+        </p:txBody>
+      </p:sp>
+      <p:graphicFrame>
+        <p:nvGraphicFramePr>
+          <p:cNvPr id="4" name="Table 3"/>
+          <p:cNvGraphicFramePr>
+            <a:graphicFrameLocks noGrp="1"/>
+          </p:cNvGraphicFramePr>
+          <p:nvPr/>
+        </p:nvGraphicFramePr>
+        <p:xfrm>
+          <a:off x="182880" y="838200"/>
+          <a:ext cx="11826240" cy="3769360"/>
+        </p:xfrm>
+        <a:graphic>
+          <a:graphicData uri="http://schemas.openxmlformats.org/drawingml/2006/table">
+            <a:tbl>
+              <a:tblPr firstRow="1" bandRow="1">
+                <a:tableStyleId>{5C22544A-7EE6-4342-B048-85BDC9FD1C3A}</a:tableStyleId>
+              </a:tblPr>
+              <a:tblGrid>
+                <a:gridCol w="2956560"/>
+                <a:gridCol w="2956560"/>
+                <a:gridCol w="2956560"/>
+                <a:gridCol w="2956560"/>
+              </a:tblGrid>
+              <a:tr h="753872">
+                <a:tc>
+                  <a:txBody>
+                    <a:bodyPr/>
+                    <a:lstStyle/>
+                    <a:p>
+                      <a:r>
+                        <a:t> </a:t>
+                      </a:r>
+                    </a:p>
+                  </a:txBody>
+                  <a:tcPr>
+                    <a:solidFill>
+                      <a:srgbClr val="00FF00"/>
+                    </a:solidFill>
+                  </a:tcPr>
+                </a:tc>
+                <a:tc>
+                  <a:txBody>
+                    <a:bodyPr/>
+                    <a:lstStyle/>
+                    <a:p>
+                      <a:r>
+                        <a:t>East</a:t>
+                      </a:r>
+                    </a:p>
+                  </a:txBody>
+                  <a:tcPr/>
+                </a:tc>
+                <a:tc>
+                  <a:txBody>
+                    <a:bodyPr/>
+                    <a:lstStyle/>
+                    <a:p>
+                      <a:r>
+                        <a:t>West</a:t>
+                      </a:r>
+                    </a:p>
+                  </a:txBody>
+                  <a:tcPr/>
+                </a:tc>
+                <a:tc>
+                  <a:txBody>
+                    <a:bodyPr/>
+                    <a:lstStyle/>
+                    <a:p>
+                      <a:r>
+                        <a:t>Midwest</a:t>
+                      </a:r>
+                    </a:p>
+                  </a:txBody>
+                  <a:tcPr/>
+                </a:tc>
+              </a:tr>
+              <a:tr h="753872">
+                <a:tc>
+                  <a:txBody>
+                    <a:bodyPr/>
+                    <a:lstStyle/>
+                    <a:p>
+                      <a:r>
+                        <a:t>Series 1</a:t>
+                      </a:r>
+                    </a:p>
+                  </a:txBody>
+                  <a:tcPr/>
+                </a:tc>
+                <a:tc>
+                  <a:txBody>
+                    <a:bodyPr/>
+                    <a:lstStyle/>
+                    <a:p>
+                      <a:r>
+                        <a:t>19.2</a:t>
+                      </a:r>
+                    </a:p>
+                  </a:txBody>
+                  <a:tcPr/>
+                </a:tc>
+                <a:tc>
+                  <a:txBody>
+                    <a:bodyPr/>
+                    <a:lstStyle/>
+                    <a:p>
+                      <a:r>
+                        <a:t>21.4</a:t>
+                      </a:r>
+                    </a:p>
+                  </a:txBody>
+                  <a:tcPr/>
+                </a:tc>
+                <a:tc>
+                  <a:txBody>
+                    <a:bodyPr/>
+                    <a:lstStyle/>
+                    <a:p>
+                      <a:r>
+                        <a:t>16.7</a:t>
+                      </a:r>
+                    </a:p>
+                  </a:txBody>
+                  <a:tcPr/>
+                </a:tc>
+              </a:tr>
+              <a:tr h="753872">
+                <a:tc>
+                  <a:txBody>
+                    <a:bodyPr/>
+                    <a:lstStyle/>
+                    <a:p>
+                      <a:r>
+                        <a:t>Series 2</a:t>
+                      </a:r>
+                    </a:p>
+                  </a:txBody>
+                  <a:tcPr/>
+                </a:tc>
+                <a:tc>
+                  <a:txBody>
+                    <a:bodyPr/>
+                    <a:lstStyle/>
+                    <a:p>
+                      <a:r>
+                        <a:t>17.8</a:t>
+                      </a:r>
+                    </a:p>
+                  </a:txBody>
+                  <a:tcPr>
+                    <a:solidFill>
+                      <a:srgbClr val="00FF00"/>
+                    </a:solidFill>
+                  </a:tcPr>
+                </a:tc>
+                <a:tc>
+                  <a:txBody>
+                    <a:bodyPr/>
+                    <a:lstStyle/>
+                    <a:p>
+                      <a:r>
+                        <a:t>13.1</a:t>
+                      </a:r>
+                    </a:p>
+                  </a:txBody>
+                  <a:tcPr/>
+                </a:tc>
+                <a:tc>
+                  <a:txBody>
+                    <a:bodyPr/>
+                    <a:lstStyle/>
+                    <a:p>
+                      <a:r>
+                        <a:t>22.9</a:t>
+                      </a:r>
+                    </a:p>
+                  </a:txBody>
+                  <a:tcPr>
+                    <a:solidFill>
+                      <a:srgbClr val="FFFF00"/>
+                    </a:solidFill>
+                  </a:tcPr>
+                </a:tc>
+              </a:tr>
+              <a:tr h="753872">
+                <a:tc>
+                  <a:txBody>
+                    <a:bodyPr/>
+                    <a:lstStyle/>
+                    <a:p>
+                      <a:r>
+                        <a:t>Series 3</a:t>
+                      </a:r>
+                    </a:p>
+                  </a:txBody>
+                  <a:tcPr/>
+                </a:tc>
+                <a:tc>
+                  <a:txBody>
+                    <a:bodyPr/>
+                    <a:lstStyle/>
+                    <a:p>
+                      <a:r>
+                        <a:t>19.2</a:t>
+                      </a:r>
+                    </a:p>
+                  </a:txBody>
+                  <a:tcPr/>
+                </a:tc>
+                <a:tc>
+                  <a:txBody>
+                    <a:bodyPr/>
+                    <a:lstStyle/>
+                    <a:p>
+                      <a:r>
+                        <a:t>21.4</a:t>
+                      </a:r>
+                    </a:p>
+                  </a:txBody>
+                  <a:tcPr>
+                    <a:solidFill>
+                      <a:srgbClr val="00FF00"/>
+                    </a:solidFill>
+                  </a:tcPr>
+                </a:tc>
+                <a:tc>
+                  <a:txBody>
+                    <a:bodyPr/>
+                    <a:lstStyle/>
+                    <a:p>
+                      <a:r>
+                        <a:t>16.7</a:t>
+                      </a:r>
+                    </a:p>
+                  </a:txBody>
+                  <a:tcPr/>
+                </a:tc>
+              </a:tr>
+              <a:tr h="753872">
+                <a:tc>
+                  <a:txBody>
+                    <a:bodyPr/>
+                    <a:lstStyle/>
+                    <a:p>
+                      <a:r>
+                        <a:t>Series 4</a:t>
+                      </a:r>
+                    </a:p>
+                  </a:txBody>
+                  <a:tcPr/>
+                </a:tc>
+                <a:tc>
+                  <a:txBody>
+                    <a:bodyPr/>
+                    <a:lstStyle/>
+                    <a:p>
+                      <a:r>
+                        <a:t>17.8</a:t>
+                      </a:r>
+                    </a:p>
+                  </a:txBody>
+                  <a:tcPr/>
+                </a:tc>
+                <a:tc>
+                  <a:txBody>
+                    <a:bodyPr/>
+                    <a:lstStyle/>
+                    <a:p>
+                      <a:r>
+                        <a:t>13.1</a:t>
+                      </a:r>
+                    </a:p>
+                  </a:txBody>
+                  <a:tcPr/>
+                </a:tc>
+                <a:tc>
+                  <a:txBody>
+                    <a:bodyPr/>
+                    <a:lstStyle/>
+                    <a:p>
+                      <a:r>
+                        <a:t>22.9</a:t>
+                      </a:r>
+                    </a:p>
+                  </a:txBody>
+                  <a:tcPr/>
+                </a:tc>
+              </a:tr>
+            </a:tbl>
           </a:graphicData>
         </a:graphic>
       </p:graphicFrame>

--- a/test/codetest.pptx
+++ b/test/codetest.pptx
@@ -355,7 +355,7 @@
       </c:valAx>
     </c:plotArea>
     <c:legend>
-      <c:legendPos/>
+      <c:legendPos val="b"/>
       <c:overlay val="0"/>
     </c:legend>
     <c:dispBlanksAs val="gap"/>
@@ -3926,7 +3926,7 @@
               <a:defRPr sz="3000"/>
             </a:pPr>
             <a:r>
-              <a:t>Presentation built: 17:24 on 2 June, 2024</a:t>
+              <a:t>Presentation built: 15:43 on 9 June, 2024</a:t>
             </a:r>
           </a:p>
         </p:txBody>

--- a/test/codetest.pptx
+++ b/test/codetest.pptx
@@ -140,7 +140,7 @@
           <a:lstStyle/>
           <a:p>
             <a:r>
-              <a:t>Hello World</a:t>
+              <a:t>My Important Chart</a:t>
             </a:r>
           </a:p>
         </c:rich>
@@ -3914,7 +3914,7 @@
               <a:defRPr sz="3000"/>
             </a:pPr>
             <a:r>
-              <a:t>md2pptx Markdown To Powerpoint Converter 4.4+ 2 June, 2024</a:t>
+              <a:t>md2pptx Markdown To Powerpoint Converter 5.0 7 July, 2024</a:t>
             </a:r>
             <a:endParaRPr lang="en-GB"/>
           </a:p>
@@ -3926,7 +3926,7 @@
               <a:defRPr sz="3000"/>
             </a:pPr>
             <a:r>
-              <a:t>Presentation built: 15:43 on 9 June, 2024</a:t>
+              <a:t>Presentation built: 17:21 on 6 July, 2024</a:t>
             </a:r>
           </a:p>
         </p:txBody>
@@ -3970,7 +3970,7 @@
         </p:nvGraphicFramePr>
         <p:xfrm>
           <a:off x="182880" y="1219200"/>
-          <a:ext cx="11826240" cy="685800"/>
+          <a:ext cx="11826240" cy="1371600"/>
         </p:xfrm>
         <a:graphic>
           <a:graphicData uri="http://schemas.openxmlformats.org/drawingml/2006/table">
@@ -4021,11 +4021,7 @@
                     <a:lstStyle/>
                     <a:p>
                       <a:pPr>
-                        <a:defRPr sz="1600">
-                          <a:solidFill>
-                            <a:srgbClr val="0000FF"/>
-                          </a:solidFill>
-                        </a:defRPr>
+                        <a:defRPr sz="1600"/>
                       </a:pPr>
                       <a:r>
                         <a:t>contentsplit</a:t>
@@ -4040,14 +4036,10 @@
                     <a:lstStyle/>
                     <a:p>
                       <a:pPr>
-                        <a:defRPr sz="1600">
-                          <a:solidFill>
-                            <a:srgbClr val="0000FF"/>
-                          </a:solidFill>
-                        </a:defRPr>
+                        <a:defRPr sz="1600"/>
                       </a:pPr>
                       <a:r>
-                        <a:t>1 2*</a:t>
+                        <a:t>1 2</a:t>
                       </a:r>
                     </a:p>
                   </a:txBody>
@@ -4086,6 +4078,102 @@
                   <a:tcPr/>
                 </a:tc>
               </a:tr>
+              <a:tr h="228600">
+                <a:tc>
+                  <a:txBody>
+                    <a:bodyPr/>
+                    <a:lstStyle/>
+                    <a:p>
+                      <a:pPr>
+                        <a:defRPr sz="1600"/>
+                      </a:pPr>
+                      <a:r>
+                        <a:t>style.fontsize.christopher</a:t>
+                      </a:r>
+                    </a:p>
+                  </a:txBody>
+                  <a:tcPr/>
+                </a:tc>
+                <a:tc>
+                  <a:txBody>
+                    <a:bodyPr/>
+                    <a:lstStyle/>
+                    <a:p>
+                      <a:pPr>
+                        <a:defRPr sz="1600"/>
+                      </a:pPr>
+                      <a:r>
+                        <a:t>45px</a:t>
+                      </a:r>
+                    </a:p>
+                  </a:txBody>
+                  <a:tcPr/>
+                </a:tc>
+              </a:tr>
+              <a:tr h="228600">
+                <a:tc>
+                  <a:txBody>
+                    <a:bodyPr/>
+                    <a:lstStyle/>
+                    <a:p>
+                      <a:pPr>
+                        <a:defRPr sz="1600"/>
+                      </a:pPr>
+                      <a:r>
+                        <a:t>style.fgcolor.christopher</a:t>
+                      </a:r>
+                    </a:p>
+                  </a:txBody>
+                  <a:tcPr/>
+                </a:tc>
+                <a:tc>
+                  <a:txBody>
+                    <a:bodyPr/>
+                    <a:lstStyle/>
+                    <a:p>
+                      <a:pPr>
+                        <a:defRPr sz="1600"/>
+                      </a:pPr>
+                      <a:r>
+                        <a:t>FF0000</a:t>
+                      </a:r>
+                    </a:p>
+                  </a:txBody>
+                  <a:tcPr/>
+                </a:tc>
+              </a:tr>
+              <a:tr h="228600">
+                <a:tc>
+                  <a:txBody>
+                    <a:bodyPr/>
+                    <a:lstStyle/>
+                    <a:p>
+                      <a:pPr>
+                        <a:defRPr sz="1600"/>
+                      </a:pPr>
+                      <a:r>
+                        <a:t>hidden</a:t>
+                      </a:r>
+                    </a:p>
+                  </a:txBody>
+                  <a:tcPr/>
+                </a:tc>
+                <a:tc>
+                  <a:txBody>
+                    <a:bodyPr/>
+                    <a:lstStyle/>
+                    <a:p>
+                      <a:pPr>
+                        <a:defRPr sz="1600"/>
+                      </a:pPr>
+                      <a:r>
+                        <a:t>yes</a:t>
+                      </a:r>
+                    </a:p>
+                  </a:txBody>
+                  <a:tcPr/>
+                </a:tc>
+              </a:tr>
             </a:tbl>
           </a:graphicData>
         </a:graphic>
@@ -4099,7 +4187,7 @@
 </file>
 
 <file path=ppt/slides/slide2.xml><?xml version="1.0" encoding="utf-8"?>
-<p:sld xmlns:a="http://schemas.openxmlformats.org/drawingml/2006/main" xmlns:p="http://schemas.openxmlformats.org/presentationml/2006/main" xmlns:r="http://schemas.openxmlformats.org/officeDocument/2006/relationships">
+<p:sld xmlns:a="http://schemas.openxmlformats.org/drawingml/2006/main" xmlns:p="http://schemas.openxmlformats.org/presentationml/2006/main" xmlns:r="http://schemas.openxmlformats.org/officeDocument/2006/relationships" show="0">
   <p:cSld>
     <p:spTree>
       <p:nvGrpSpPr>
@@ -4163,7 +4251,7 @@
 </file>
 
 <file path=ppt/slides/slide3.xml><?xml version="1.0" encoding="utf-8"?>
-<p:sld xmlns:a="http://schemas.openxmlformats.org/drawingml/2006/main" xmlns:p="http://schemas.openxmlformats.org/presentationml/2006/main" xmlns:r="http://schemas.openxmlformats.org/officeDocument/2006/relationships">
+<p:sld xmlns:a="http://schemas.openxmlformats.org/drawingml/2006/main" xmlns:p="http://schemas.openxmlformats.org/presentationml/2006/main" xmlns:r="http://schemas.openxmlformats.org/officeDocument/2006/relationships" show="0">
   <p:cSld>
     <p:spTree>
       <p:nvGrpSpPr>
@@ -4199,61 +4287,22 @@
               <a:defRPr sz="3000"/>
             </a:pPr>
             <a:r>
-              <a:t>Here Is  A Graph</a:t>
-            </a:r>
-          </a:p>
-        </p:txBody>
-      </p:sp>
-      <p:sp>
-        <p:nvSpPr>
-          <p:cNvPr id="3" name="Content Placeholder 2"/>
-          <p:cNvSpPr>
-            <a:spLocks noGrp="1"/>
-          </p:cNvSpPr>
-          <p:nvPr>
-            <p:ph idx="1"/>
-          </p:nvPr>
-        </p:nvSpPr>
-        <p:spPr>
-          <a:xfrm>
-            <a:off x="182880" y="838200"/>
-            <a:ext cx="3942080" cy="5654040"/>
-          </a:xfrm>
-        </p:spPr>
-        <p:txBody>
-          <a:bodyPr>
-            <a:normAutofit/>
-          </a:bodyPr>
-          <a:lstStyle/>
-          <a:p>
-            <a:pPr>
-              <a:defRPr sz="1800"/>
-            </a:pPr>
-            <a:r>
-              <a:t>Here is a bullet</a:t>
-            </a:r>
-          </a:p>
-          <a:p>
-            <a:pPr lvl="1">
-              <a:defRPr sz="1600"/>
-            </a:pPr>
-            <a:r>
-              <a:t>Here is a sub-bullet</a:t>
+              <a:t>Here Is A Slide With A Graph</a:t>
             </a:r>
           </a:p>
         </p:txBody>
       </p:sp>
       <p:graphicFrame>
         <p:nvGraphicFramePr>
-          <p:cNvPr id="4" name="Chart 3"/>
+          <p:cNvPr id="3" name="Chart 2"/>
           <p:cNvGraphicFramePr>
             <a:graphicFrameLocks noGrp="1"/>
           </p:cNvGraphicFramePr>
           <p:nvPr/>
         </p:nvGraphicFramePr>
         <p:xfrm>
-          <a:off x="4124960" y="838200"/>
-          <a:ext cx="7884160" cy="5654040"/>
+          <a:off x="182880" y="838200"/>
+          <a:ext cx="11826240" cy="5654040"/>
         </p:xfrm>
         <a:graphic>
           <a:graphicData uri="http://schemas.openxmlformats.org/drawingml/2006/chart">
@@ -4270,7 +4319,7 @@
 </file>
 
 <file path=ppt/slides/slide4.xml><?xml version="1.0" encoding="utf-8"?>
-<p:sld xmlns:a="http://schemas.openxmlformats.org/drawingml/2006/main" xmlns:p="http://schemas.openxmlformats.org/presentationml/2006/main" xmlns:r="http://schemas.openxmlformats.org/officeDocument/2006/relationships">
+<p:sld xmlns:a="http://schemas.openxmlformats.org/drawingml/2006/main" xmlns:p="http://schemas.openxmlformats.org/presentationml/2006/main" xmlns:r="http://schemas.openxmlformats.org/officeDocument/2006/relationships" show="0">
   <p:cSld>
     <p:spTree>
       <p:nvGrpSpPr>
@@ -4311,40 +4360,9 @@
           </a:p>
         </p:txBody>
       </p:sp>
-      <p:sp>
-        <p:nvSpPr>
-          <p:cNvPr id="3" name="Content Placeholder 2"/>
-          <p:cNvSpPr>
-            <a:spLocks noGrp="1"/>
-          </p:cNvSpPr>
-          <p:nvPr>
-            <p:ph idx="1"/>
-          </p:nvPr>
-        </p:nvSpPr>
-        <p:spPr>
-          <a:xfrm>
-            <a:off x="182880" y="4607560"/>
-            <a:ext cx="11826240" cy="1884680"/>
-          </a:xfrm>
-        </p:spPr>
-        <p:txBody>
-          <a:bodyPr>
-            <a:normAutofit/>
-          </a:bodyPr>
-          <a:lstStyle/>
-          <a:p>
-            <a:pPr>
-              <a:defRPr sz="1800"/>
-            </a:pPr>
-            <a:r>
-              <a:t>Here's a bullet below the table</a:t>
-            </a:r>
-          </a:p>
-        </p:txBody>
-      </p:sp>
       <p:graphicFrame>
         <p:nvGraphicFramePr>
-          <p:cNvPr id="4" name="Table 3"/>
+          <p:cNvPr id="3" name="Table 2"/>
           <p:cNvGraphicFramePr>
             <a:graphicFrameLocks noGrp="1"/>
           </p:cNvGraphicFramePr>
@@ -4352,7 +4370,7 @@
         </p:nvGraphicFramePr>
         <p:xfrm>
           <a:off x="182880" y="838200"/>
-          <a:ext cx="11826240" cy="3769360"/>
+          <a:ext cx="11826240" cy="5654040"/>
         </p:xfrm>
         <a:graphic>
           <a:graphicData uri="http://schemas.openxmlformats.org/drawingml/2006/table">
@@ -4366,7 +4384,7 @@
                 <a:gridCol w="2956560"/>
                 <a:gridCol w="2956560"/>
               </a:tblGrid>
-              <a:tr h="753872">
+              <a:tr h="1130808">
                 <a:tc>
                   <a:txBody>
                     <a:bodyPr/>
@@ -4420,7 +4438,7 @@
                   <a:tcPr/>
                 </a:tc>
               </a:tr>
-              <a:tr h="753872">
+              <a:tr h="1130808">
                 <a:tc>
                   <a:txBody>
                     <a:bodyPr/>
@@ -4470,7 +4488,7 @@
                   <a:tcPr/>
                 </a:tc>
               </a:tr>
-              <a:tr h="753872">
+              <a:tr h="1130808">
                 <a:tc>
                   <a:txBody>
                     <a:bodyPr/>
@@ -4528,7 +4546,7 @@
                   </a:tcPr>
                 </a:tc>
               </a:tr>
-              <a:tr h="753872">
+              <a:tr h="1130808">
                 <a:tc>
                   <a:txBody>
                     <a:bodyPr/>
@@ -4582,7 +4600,7 @@
                   <a:tcPr/>
                 </a:tc>
               </a:tr>
-              <a:tr h="753872">
+              <a:tr h="1130808">
                 <a:tc>
                   <a:txBody>
                     <a:bodyPr/>
